--- a/lesson03/images/fb.pptx
+++ b/lesson03/images/fb.pptx
@@ -4673,7 +4673,7 @@
         <p:spPr>
           <a:xfrm>
             <a:off x="6235065" y="964166"/>
-            <a:ext cx="4572000" cy="369332"/>
+            <a:ext cx="1994535" cy="369332"/>
           </a:xfrm>
           <a:prstGeom prst="rect">
             <a:avLst/>
